--- a/Support des données avec des fichiers Json.pptx
+++ b/Support des données avec des fichiers Json.pptx
@@ -8506,7 +8506,7 @@
                 <a:rPr lang="en-CA" dirty="0">
                   <a:hlinkClick r:id="rId2"/>
                 </a:rPr>
-                <a:t>https://github.com/Nicolas-Chourot/JsonDemo</a:t>
+                <a:t>https://github.com/Nicolas-Chourot/JsonDemo2025</a:t>
               </a:r>
               <a:endParaRPr lang="en-CA" dirty="0"/>
             </a:p>
@@ -22486,7 +22486,7 @@
             </a:r>
             <a:r>
               <a:rPr lang="fr-FR" dirty="0"/>
-              <a:t>.</a:t>
+              <a:t> et MongoDB.</a:t>
             </a:r>
           </a:p>
         </p:txBody>
@@ -31775,9 +31775,15 @@
                 <a:solidFill>
                   <a:srgbClr val="00B0F0"/>
                 </a:solidFill>
-              </a:rPr>
-              <a:t>https://github.com/Nicolas-Chourot/JsonDemo-2024</a:t>
-            </a:r>
+                <a:hlinkClick r:id="rId4"/>
+              </a:rPr>
+              <a:t>https://github.com/Nicolas-Chourot/JsonDemo2025</a:t>
+            </a:r>
+            <a:endParaRPr lang="fr-CA" dirty="0">
+              <a:solidFill>
+                <a:srgbClr val="00B0F0"/>
+              </a:solidFill>
+            </a:endParaRPr>
           </a:p>
         </p:txBody>
       </p:sp>

--- a/Support des données avec des fichiers Json.pptx
+++ b/Support des données avec des fichiers Json.pptx
@@ -2371,7 +2371,7 @@
           <a:p>
             <a:fld id="{813E82E7-2CC9-402B-A44D-979850ED69B5}" type="datetimeFigureOut">
               <a:rPr lang="fr-CA" smtClean="0"/>
-              <a:t>2025-02-04</a:t>
+              <a:t>2025-02-05</a:t>
             </a:fld>
             <a:endParaRPr lang="fr-CA"/>
           </a:p>
@@ -2683,7 +2683,7 @@
           <a:p>
             <a:fld id="{813E82E7-2CC9-402B-A44D-979850ED69B5}" type="datetimeFigureOut">
               <a:rPr lang="fr-CA" smtClean="0"/>
-              <a:t>2025-02-04</a:t>
+              <a:t>2025-02-05</a:t>
             </a:fld>
             <a:endParaRPr lang="fr-CA"/>
           </a:p>
@@ -2905,7 +2905,7 @@
           <a:p>
             <a:fld id="{813E82E7-2CC9-402B-A44D-979850ED69B5}" type="datetimeFigureOut">
               <a:rPr lang="fr-CA" smtClean="0"/>
-              <a:t>2025-02-04</a:t>
+              <a:t>2025-02-05</a:t>
             </a:fld>
             <a:endParaRPr lang="fr-CA"/>
           </a:p>
@@ -3196,7 +3196,7 @@
           <a:p>
             <a:fld id="{813E82E7-2CC9-402B-A44D-979850ED69B5}" type="datetimeFigureOut">
               <a:rPr lang="fr-CA" smtClean="0"/>
-              <a:t>2025-02-04</a:t>
+              <a:t>2025-02-05</a:t>
             </a:fld>
             <a:endParaRPr lang="fr-CA"/>
           </a:p>
@@ -3650,7 +3650,7 @@
           <a:p>
             <a:fld id="{813E82E7-2CC9-402B-A44D-979850ED69B5}" type="datetimeFigureOut">
               <a:rPr lang="fr-CA" smtClean="0"/>
-              <a:t>2025-02-04</a:t>
+              <a:t>2025-02-05</a:t>
             </a:fld>
             <a:endParaRPr lang="fr-CA"/>
           </a:p>
@@ -4226,7 +4226,7 @@
           <a:p>
             <a:fld id="{813E82E7-2CC9-402B-A44D-979850ED69B5}" type="datetimeFigureOut">
               <a:rPr lang="fr-CA" smtClean="0"/>
-              <a:t>2025-02-04</a:t>
+              <a:t>2025-02-05</a:t>
             </a:fld>
             <a:endParaRPr lang="fr-CA"/>
           </a:p>
@@ -5078,7 +5078,7 @@
           <a:p>
             <a:fld id="{813E82E7-2CC9-402B-A44D-979850ED69B5}" type="datetimeFigureOut">
               <a:rPr lang="fr-CA" smtClean="0"/>
-              <a:t>2025-02-04</a:t>
+              <a:t>2025-02-05</a:t>
             </a:fld>
             <a:endParaRPr lang="fr-CA"/>
           </a:p>
@@ -5283,7 +5283,7 @@
           <a:p>
             <a:fld id="{813E82E7-2CC9-402B-A44D-979850ED69B5}" type="datetimeFigureOut">
               <a:rPr lang="fr-CA" smtClean="0"/>
-              <a:t>2025-02-04</a:t>
+              <a:t>2025-02-05</a:t>
             </a:fld>
             <a:endParaRPr lang="fr-CA"/>
           </a:p>
@@ -5497,7 +5497,7 @@
           <a:p>
             <a:fld id="{813E82E7-2CC9-402B-A44D-979850ED69B5}" type="datetimeFigureOut">
               <a:rPr lang="fr-CA" smtClean="0"/>
-              <a:t>2025-02-04</a:t>
+              <a:t>2025-02-05</a:t>
             </a:fld>
             <a:endParaRPr lang="fr-CA"/>
           </a:p>
@@ -5667,7 +5667,7 @@
           <a:p>
             <a:fld id="{813E82E7-2CC9-402B-A44D-979850ED69B5}" type="datetimeFigureOut">
               <a:rPr lang="fr-CA" smtClean="0"/>
-              <a:t>2025-02-04</a:t>
+              <a:t>2025-02-05</a:t>
             </a:fld>
             <a:endParaRPr lang="fr-CA"/>
           </a:p>
@@ -5872,7 +5872,7 @@
           <a:p>
             <a:fld id="{813E82E7-2CC9-402B-A44D-979850ED69B5}" type="datetimeFigureOut">
               <a:rPr lang="fr-CA" smtClean="0"/>
-              <a:t>2025-02-04</a:t>
+              <a:t>2025-02-05</a:t>
             </a:fld>
             <a:endParaRPr lang="fr-CA"/>
           </a:p>
@@ -6152,7 +6152,7 @@
           <a:p>
             <a:fld id="{813E82E7-2CC9-402B-A44D-979850ED69B5}" type="datetimeFigureOut">
               <a:rPr lang="fr-CA" smtClean="0"/>
-              <a:t>2025-02-04</a:t>
+              <a:t>2025-02-05</a:t>
             </a:fld>
             <a:endParaRPr lang="fr-CA"/>
           </a:p>
@@ -6419,7 +6419,7 @@
           <a:p>
             <a:fld id="{813E82E7-2CC9-402B-A44D-979850ED69B5}" type="datetimeFigureOut">
               <a:rPr lang="fr-CA" smtClean="0"/>
-              <a:t>2025-02-04</a:t>
+              <a:t>2025-02-05</a:t>
             </a:fld>
             <a:endParaRPr lang="fr-CA"/>
           </a:p>
@@ -6834,7 +6834,7 @@
           <a:p>
             <a:fld id="{813E82E7-2CC9-402B-A44D-979850ED69B5}" type="datetimeFigureOut">
               <a:rPr lang="fr-CA" smtClean="0"/>
-              <a:t>2025-02-04</a:t>
+              <a:t>2025-02-05</a:t>
             </a:fld>
             <a:endParaRPr lang="fr-CA"/>
           </a:p>
@@ -6982,7 +6982,7 @@
           <a:p>
             <a:fld id="{813E82E7-2CC9-402B-A44D-979850ED69B5}" type="datetimeFigureOut">
               <a:rPr lang="fr-CA" smtClean="0"/>
-              <a:t>2025-02-04</a:t>
+              <a:t>2025-02-05</a:t>
             </a:fld>
             <a:endParaRPr lang="fr-CA"/>
           </a:p>
@@ -7107,7 +7107,7 @@
           <a:p>
             <a:fld id="{813E82E7-2CC9-402B-A44D-979850ED69B5}" type="datetimeFigureOut">
               <a:rPr lang="fr-CA" smtClean="0"/>
-              <a:t>2025-02-04</a:t>
+              <a:t>2025-02-05</a:t>
             </a:fld>
             <a:endParaRPr lang="fr-CA"/>
           </a:p>
@@ -7386,7 +7386,7 @@
           <a:p>
             <a:fld id="{813E82E7-2CC9-402B-A44D-979850ED69B5}" type="datetimeFigureOut">
               <a:rPr lang="fr-CA" smtClean="0"/>
-              <a:t>2025-02-04</a:t>
+              <a:t>2025-02-05</a:t>
             </a:fld>
             <a:endParaRPr lang="fr-CA"/>
           </a:p>
@@ -7698,7 +7698,7 @@
           <a:p>
             <a:fld id="{813E82E7-2CC9-402B-A44D-979850ED69B5}" type="datetimeFigureOut">
               <a:rPr lang="fr-CA" smtClean="0"/>
-              <a:t>2025-02-04</a:t>
+              <a:t>2025-02-05</a:t>
             </a:fld>
             <a:endParaRPr lang="fr-CA"/>
           </a:p>
@@ -7951,7 +7951,7 @@
           <a:p>
             <a:fld id="{813E82E7-2CC9-402B-A44D-979850ED69B5}" type="datetimeFigureOut">
               <a:rPr lang="fr-CA" smtClean="0"/>
-              <a:t>2025-02-04</a:t>
+              <a:t>2025-02-05</a:t>
             </a:fld>
             <a:endParaRPr lang="fr-CA"/>
           </a:p>
@@ -9520,7 +9520,7 @@
                   <a:srgbClr val="00B0F0"/>
                 </a:solidFill>
               </a:rPr>
-              <a:t>DB.Courses.Add(new Courses(){...}); </a:t>
+              <a:t>DB.Courses.Add(new Course(){...}); </a:t>
             </a:r>
           </a:p>
           <a:p>
@@ -9534,7 +9534,7 @@
                   <a:srgbClr val="00B0F0"/>
                 </a:solidFill>
               </a:rPr>
-              <a:t>Courses</a:t>
+              <a:t>Course</a:t>
             </a:r>
           </a:p>
           <a:p>
@@ -13578,7 +13578,7 @@
             </a:r>
             <a:r>
               <a:rPr lang="fr-CA" sz="1000" dirty="0"/>
-              <a:t>pour fournir la listes des </a:t>
+              <a:t>pour fournir la liste des </a:t>
             </a:r>
             <a:r>
               <a:rPr lang="fr-CA" sz="1000" dirty="0" err="1"/>
@@ -22222,36 +22222,6 @@
           <a:chExt cx="0" cy="0"/>
         </a:xfrm>
       </p:grpSpPr>
-      <p:pic>
-        <p:nvPicPr>
-          <p:cNvPr id="13" name="Image 12">
-            <a:extLst>
-              <a:ext uri="{FF2B5EF4-FFF2-40B4-BE49-F238E27FC236}">
-                <a16:creationId xmlns:a16="http://schemas.microsoft.com/office/drawing/2014/main" id="{F92A6A7A-F4C7-8B67-3589-4C2C669FA6A9}"/>
-              </a:ext>
-            </a:extLst>
-          </p:cNvPr>
-          <p:cNvPicPr>
-            <a:picLocks noChangeAspect="1"/>
-          </p:cNvPicPr>
-          <p:nvPr/>
-        </p:nvPicPr>
-        <p:blipFill>
-          <a:blip r:embed="rId2"/>
-          <a:stretch>
-            <a:fillRect/>
-          </a:stretch>
-        </p:blipFill>
-        <p:spPr>
-          <a:xfrm>
-            <a:off x="257668" y="843331"/>
-            <a:ext cx="7609702" cy="2660885"/>
-          </a:xfrm>
-          <a:prstGeom prst="rect">
-            <a:avLst/>
-          </a:prstGeom>
-        </p:spPr>
-      </p:pic>
       <p:sp>
         <p:nvSpPr>
           <p:cNvPr id="15" name="ZoneTexte 14">
@@ -22289,10 +22259,40 @@
       </p:sp>
       <p:pic>
         <p:nvPicPr>
-          <p:cNvPr id="3" name="Image 2">
+          <p:cNvPr id="5" name="Image 4">
             <a:extLst>
               <a:ext uri="{FF2B5EF4-FFF2-40B4-BE49-F238E27FC236}">
-                <a16:creationId xmlns:a16="http://schemas.microsoft.com/office/drawing/2014/main" id="{265C8370-AED8-AA67-1A0E-AAE0048785A5}"/>
+                <a16:creationId xmlns:a16="http://schemas.microsoft.com/office/drawing/2014/main" id="{B051660F-D274-C677-B3B2-9C523DAB94B8}"/>
+              </a:ext>
+            </a:extLst>
+          </p:cNvPr>
+          <p:cNvPicPr>
+            <a:picLocks noChangeAspect="1"/>
+          </p:cNvPicPr>
+          <p:nvPr/>
+        </p:nvPicPr>
+        <p:blipFill>
+          <a:blip r:embed="rId2"/>
+          <a:stretch>
+            <a:fillRect/>
+          </a:stretch>
+        </p:blipFill>
+        <p:spPr>
+          <a:xfrm>
+            <a:off x="257668" y="3614935"/>
+            <a:ext cx="4398553" cy="3182905"/>
+          </a:xfrm>
+          <a:prstGeom prst="rect">
+            <a:avLst/>
+          </a:prstGeom>
+        </p:spPr>
+      </p:pic>
+      <p:pic>
+        <p:nvPicPr>
+          <p:cNvPr id="7" name="Image 6">
+            <a:extLst>
+              <a:ext uri="{FF2B5EF4-FFF2-40B4-BE49-F238E27FC236}">
+                <a16:creationId xmlns:a16="http://schemas.microsoft.com/office/drawing/2014/main" id="{1C65D6F6-909C-65C7-19B1-16167D63BE11}"/>
               </a:ext>
             </a:extLst>
           </p:cNvPr>
@@ -22309,27 +22309,20 @@
         </p:blipFill>
         <p:spPr>
           <a:xfrm>
-            <a:off x="8168425" y="78205"/>
-            <a:ext cx="3947430" cy="6701590"/>
+            <a:off x="257669" y="618269"/>
+            <a:ext cx="5427140" cy="2878681"/>
           </a:xfrm>
           <a:prstGeom prst="rect">
             <a:avLst/>
           </a:prstGeom>
-          <a:ln>
-            <a:solidFill>
-              <a:schemeClr val="bg1">
-                <a:lumMod val="50000"/>
-              </a:schemeClr>
-            </a:solidFill>
-          </a:ln>
         </p:spPr>
       </p:pic>
       <p:pic>
         <p:nvPicPr>
-          <p:cNvPr id="5" name="Image 4">
+          <p:cNvPr id="9" name="Image 8">
             <a:extLst>
               <a:ext uri="{FF2B5EF4-FFF2-40B4-BE49-F238E27FC236}">
-                <a16:creationId xmlns:a16="http://schemas.microsoft.com/office/drawing/2014/main" id="{B051660F-D274-C677-B3B2-9C523DAB94B8}"/>
+                <a16:creationId xmlns:a16="http://schemas.microsoft.com/office/drawing/2014/main" id="{8D93D42F-905A-F08A-8A33-A713E09740AD}"/>
               </a:ext>
             </a:extLst>
           </p:cNvPr>
@@ -22346,8 +22339,8 @@
         </p:blipFill>
         <p:spPr>
           <a:xfrm>
-            <a:off x="257668" y="3614935"/>
-            <a:ext cx="4398553" cy="3182905"/>
+            <a:off x="9085953" y="0"/>
+            <a:ext cx="3106047" cy="6858000"/>
           </a:xfrm>
           <a:prstGeom prst="rect">
             <a:avLst/>
@@ -22558,10 +22551,10 @@
       </p:sp>
       <p:pic>
         <p:nvPicPr>
-          <p:cNvPr id="8" name="Image 7">
+          <p:cNvPr id="4" name="Image 3">
             <a:extLst>
               <a:ext uri="{FF2B5EF4-FFF2-40B4-BE49-F238E27FC236}">
-                <a16:creationId xmlns:a16="http://schemas.microsoft.com/office/drawing/2014/main" id="{EE87464E-1F78-8603-B11C-C148D0200B15}"/>
+                <a16:creationId xmlns:a16="http://schemas.microsoft.com/office/drawing/2014/main" id="{EC98795E-FC66-C7D9-A551-3EEFB4703044}"/>
               </a:ext>
             </a:extLst>
           </p:cNvPr>
@@ -22578,25 +22571,20 @@
         </p:blipFill>
         <p:spPr>
           <a:xfrm>
-            <a:off x="8553591" y="248937"/>
-            <a:ext cx="3302146" cy="3783333"/>
+            <a:off x="9090249" y="0"/>
+            <a:ext cx="3101751" cy="6858000"/>
           </a:xfrm>
           <a:prstGeom prst="rect">
             <a:avLst/>
           </a:prstGeom>
-          <a:ln>
-            <a:solidFill>
-              <a:schemeClr val="tx1"/>
-            </a:solidFill>
-          </a:ln>
         </p:spPr>
       </p:pic>
       <p:pic>
         <p:nvPicPr>
-          <p:cNvPr id="9" name="Image 8">
+          <p:cNvPr id="10" name="Image 9">
             <a:extLst>
               <a:ext uri="{FF2B5EF4-FFF2-40B4-BE49-F238E27FC236}">
-                <a16:creationId xmlns:a16="http://schemas.microsoft.com/office/drawing/2014/main" id="{0C19B07B-0F09-EF27-A33B-D26AFED8F82A}"/>
+                <a16:creationId xmlns:a16="http://schemas.microsoft.com/office/drawing/2014/main" id="{9CE9BAF2-9A4C-A7E6-6F01-CA2C6CBB8A7C}"/>
               </a:ext>
             </a:extLst>
           </p:cNvPr>
@@ -22613,153 +22601,8 @@
         </p:blipFill>
         <p:spPr>
           <a:xfrm>
-            <a:off x="322325" y="3622432"/>
-            <a:ext cx="3898384" cy="1907338"/>
-          </a:xfrm>
-          <a:prstGeom prst="rect">
-            <a:avLst/>
-          </a:prstGeom>
-          <a:ln>
-            <a:solidFill>
-              <a:schemeClr val="tx1"/>
-            </a:solidFill>
-          </a:ln>
-        </p:spPr>
-      </p:pic>
-      <p:cxnSp>
-        <p:nvCxnSpPr>
-          <p:cNvPr id="14" name="Connecteur : en angle 13">
-            <a:extLst>
-              <a:ext uri="{FF2B5EF4-FFF2-40B4-BE49-F238E27FC236}">
-                <a16:creationId xmlns:a16="http://schemas.microsoft.com/office/drawing/2014/main" id="{AAA2E905-627E-907C-D03C-D22A8837F6C0}"/>
-              </a:ext>
-            </a:extLst>
-          </p:cNvPr>
-          <p:cNvCxnSpPr>
-            <a:cxnSpLocks/>
-            <a:endCxn id="5" idx="3"/>
-          </p:cNvCxnSpPr>
-          <p:nvPr/>
-        </p:nvCxnSpPr>
-        <p:spPr>
-          <a:xfrm rot="16200000" flipH="1">
-            <a:off x="3459875" y="5407868"/>
-            <a:ext cx="1278729" cy="242938"/>
-          </a:xfrm>
-          <a:prstGeom prst="bentConnector4">
-            <a:avLst>
-              <a:gd name="adj1" fmla="val 34813"/>
-              <a:gd name="adj2" fmla="val 194098"/>
-            </a:avLst>
-          </a:prstGeom>
-          <a:ln>
-            <a:solidFill>
-              <a:schemeClr val="accent2">
-                <a:lumMod val="75000"/>
-              </a:schemeClr>
-            </a:solidFill>
-            <a:tailEnd type="triangle"/>
-          </a:ln>
-        </p:spPr>
-        <p:style>
-          <a:lnRef idx="1">
-            <a:schemeClr val="accent1"/>
-          </a:lnRef>
-          <a:fillRef idx="0">
-            <a:schemeClr val="accent1"/>
-          </a:fillRef>
-          <a:effectRef idx="0">
-            <a:schemeClr val="accent1"/>
-          </a:effectRef>
-          <a:fontRef idx="minor">
-            <a:schemeClr val="tx1"/>
-          </a:fontRef>
-        </p:style>
-      </p:cxnSp>
-      <p:pic>
-        <p:nvPicPr>
-          <p:cNvPr id="19" name="Image 18">
-            <a:extLst>
-              <a:ext uri="{FF2B5EF4-FFF2-40B4-BE49-F238E27FC236}">
-                <a16:creationId xmlns:a16="http://schemas.microsoft.com/office/drawing/2014/main" id="{6B5BE821-B92D-CD70-EA99-B4D2E82573C7}"/>
-              </a:ext>
-            </a:extLst>
-          </p:cNvPr>
-          <p:cNvPicPr>
-            <a:picLocks noChangeAspect="1"/>
-          </p:cNvPicPr>
-          <p:nvPr/>
-        </p:nvPicPr>
-        <p:blipFill>
-          <a:blip r:embed="rId4"/>
-          <a:stretch>
-            <a:fillRect/>
-          </a:stretch>
-        </p:blipFill>
-        <p:spPr>
-          <a:xfrm>
-            <a:off x="5641849" y="3604847"/>
-            <a:ext cx="2558827" cy="3098220"/>
-          </a:xfrm>
-          <a:prstGeom prst="rect">
-            <a:avLst/>
-          </a:prstGeom>
-        </p:spPr>
-      </p:pic>
-      <p:pic>
-        <p:nvPicPr>
-          <p:cNvPr id="3" name="Image 2">
-            <a:extLst>
-              <a:ext uri="{FF2B5EF4-FFF2-40B4-BE49-F238E27FC236}">
-                <a16:creationId xmlns:a16="http://schemas.microsoft.com/office/drawing/2014/main" id="{931B70D7-2A49-D57E-DA83-316E89D5AD3B}"/>
-              </a:ext>
-            </a:extLst>
-          </p:cNvPr>
-          <p:cNvPicPr>
-            <a:picLocks noChangeAspect="1"/>
-          </p:cNvPicPr>
-          <p:nvPr/>
-        </p:nvPicPr>
-        <p:blipFill>
-          <a:blip r:embed="rId5"/>
-          <a:stretch>
-            <a:fillRect/>
-          </a:stretch>
-        </p:blipFill>
-        <p:spPr>
-          <a:xfrm>
-            <a:off x="336261" y="790585"/>
-            <a:ext cx="7864415" cy="2563730"/>
-          </a:xfrm>
-          <a:prstGeom prst="rect">
-            <a:avLst/>
-          </a:prstGeom>
-        </p:spPr>
-      </p:pic>
-      <p:pic>
-        <p:nvPicPr>
-          <p:cNvPr id="5" name="Image 4">
-            <a:extLst>
-              <a:ext uri="{FF2B5EF4-FFF2-40B4-BE49-F238E27FC236}">
-                <a16:creationId xmlns:a16="http://schemas.microsoft.com/office/drawing/2014/main" id="{86EC46F3-84B4-4789-7741-4206530600F1}"/>
-              </a:ext>
-            </a:extLst>
-          </p:cNvPr>
-          <p:cNvPicPr>
-            <a:picLocks noChangeAspect="1"/>
-          </p:cNvPicPr>
-          <p:nvPr/>
-        </p:nvPicPr>
-        <p:blipFill>
-          <a:blip r:embed="rId6"/>
-          <a:stretch>
-            <a:fillRect/>
-          </a:stretch>
-        </p:blipFill>
-        <p:spPr>
-          <a:xfrm>
-            <a:off x="322324" y="5780302"/>
-            <a:ext cx="3898384" cy="776800"/>
+            <a:off x="322324" y="618269"/>
+            <a:ext cx="7116168" cy="3562847"/>
           </a:xfrm>
           <a:prstGeom prst="rect">
             <a:avLst/>
